--- a/Slides/Class26.pptx
+++ b/Slides/Class26.pptx
@@ -12,7 +12,7 @@
   </p:handoutMasterIdLst>
   <p:sldIdLst>
     <p:sldId id="258" r:id="rId2"/>
-    <p:sldId id="409" r:id="rId3"/>
+    <p:sldId id="410" r:id="rId3"/>
     <p:sldId id="407" r:id="rId4"/>
   </p:sldIdLst>
   <p:sldSz cx="9144000" cy="6858000" type="screen4x3"/>
@@ -227,7 +227,7 @@
           <a:p>
             <a:fld id="{C24322AF-E05B-7249-906C-FBAC6154C037}" type="datetimeFigureOut">
               <a:rPr lang="en-US" smtClean="0"/>
-              <a:t>12/11/18</a:t>
+              <a:t>1/24/21</a:t>
             </a:fld>
             <a:endParaRPr lang="en-US"/>
           </a:p>
@@ -393,7 +393,7 @@
             <a:fld id="{06A43BE5-3BD4-F642-8751-88A31D8D6D13}" type="datetimeFigureOut">
               <a:rPr lang="en-US" smtClean="0"/>
               <a:pPr/>
-              <a:t>12/11/18</a:t>
+              <a:t>1/24/21</a:t>
             </a:fld>
             <a:endParaRPr lang="en-US"/>
           </a:p>
@@ -936,7 +936,7 @@
             <a:fld id="{A4FA2B0E-4818-9849-9CF1-1031FD4E1DAB}" type="datetimeFigureOut">
               <a:rPr lang="en-US" smtClean="0"/>
               <a:pPr/>
-              <a:t>12/11/18</a:t>
+              <a:t>1/24/21</a:t>
             </a:fld>
             <a:endParaRPr lang="en-US"/>
           </a:p>
@@ -1101,7 +1101,7 @@
             <a:fld id="{A4FA2B0E-4818-9849-9CF1-1031FD4E1DAB}" type="datetimeFigureOut">
               <a:rPr lang="en-US" smtClean="0"/>
               <a:pPr/>
-              <a:t>12/11/18</a:t>
+              <a:t>1/24/21</a:t>
             </a:fld>
             <a:endParaRPr lang="en-US"/>
           </a:p>
@@ -1276,7 +1276,7 @@
             <a:fld id="{A4FA2B0E-4818-9849-9CF1-1031FD4E1DAB}" type="datetimeFigureOut">
               <a:rPr lang="en-US" smtClean="0"/>
               <a:pPr/>
-              <a:t>12/11/18</a:t>
+              <a:t>1/24/21</a:t>
             </a:fld>
             <a:endParaRPr lang="en-US"/>
           </a:p>
@@ -1441,7 +1441,7 @@
             <a:fld id="{A4FA2B0E-4818-9849-9CF1-1031FD4E1DAB}" type="datetimeFigureOut">
               <a:rPr lang="en-US" smtClean="0"/>
               <a:pPr/>
-              <a:t>12/11/18</a:t>
+              <a:t>1/24/21</a:t>
             </a:fld>
             <a:endParaRPr lang="en-US"/>
           </a:p>
@@ -1683,7 +1683,7 @@
             <a:fld id="{A4FA2B0E-4818-9849-9CF1-1031FD4E1DAB}" type="datetimeFigureOut">
               <a:rPr lang="en-US" smtClean="0"/>
               <a:pPr/>
-              <a:t>12/11/18</a:t>
+              <a:t>1/24/21</a:t>
             </a:fld>
             <a:endParaRPr lang="en-US"/>
           </a:p>
@@ -1965,7 +1965,7 @@
             <a:fld id="{A4FA2B0E-4818-9849-9CF1-1031FD4E1DAB}" type="datetimeFigureOut">
               <a:rPr lang="en-US" smtClean="0"/>
               <a:pPr/>
-              <a:t>12/11/18</a:t>
+              <a:t>1/24/21</a:t>
             </a:fld>
             <a:endParaRPr lang="en-US"/>
           </a:p>
@@ -2381,7 +2381,7 @@
             <a:fld id="{A4FA2B0E-4818-9849-9CF1-1031FD4E1DAB}" type="datetimeFigureOut">
               <a:rPr lang="en-US" smtClean="0"/>
               <a:pPr/>
-              <a:t>12/11/18</a:t>
+              <a:t>1/24/21</a:t>
             </a:fld>
             <a:endParaRPr lang="en-US"/>
           </a:p>
@@ -2495,7 +2495,7 @@
             <a:fld id="{A4FA2B0E-4818-9849-9CF1-1031FD4E1DAB}" type="datetimeFigureOut">
               <a:rPr lang="en-US" smtClean="0"/>
               <a:pPr/>
-              <a:t>12/11/18</a:t>
+              <a:t>1/24/21</a:t>
             </a:fld>
             <a:endParaRPr lang="en-US"/>
           </a:p>
@@ -2587,7 +2587,7 @@
             <a:fld id="{A4FA2B0E-4818-9849-9CF1-1031FD4E1DAB}" type="datetimeFigureOut">
               <a:rPr lang="en-US" smtClean="0"/>
               <a:pPr/>
-              <a:t>12/11/18</a:t>
+              <a:t>1/24/21</a:t>
             </a:fld>
             <a:endParaRPr lang="en-US"/>
           </a:p>
@@ -2859,7 +2859,7 @@
             <a:fld id="{A4FA2B0E-4818-9849-9CF1-1031FD4E1DAB}" type="datetimeFigureOut">
               <a:rPr lang="en-US" smtClean="0"/>
               <a:pPr/>
-              <a:t>12/11/18</a:t>
+              <a:t>1/24/21</a:t>
             </a:fld>
             <a:endParaRPr lang="en-US"/>
           </a:p>
@@ -3108,7 +3108,7 @@
             <a:fld id="{A4FA2B0E-4818-9849-9CF1-1031FD4E1DAB}" type="datetimeFigureOut">
               <a:rPr lang="en-US" smtClean="0"/>
               <a:pPr/>
-              <a:t>12/11/18</a:t>
+              <a:t>1/24/21</a:t>
             </a:fld>
             <a:endParaRPr lang="en-US"/>
           </a:p>
@@ -3316,7 +3316,7 @@
             <a:fld id="{A4FA2B0E-4818-9849-9CF1-1031FD4E1DAB}" type="datetimeFigureOut">
               <a:rPr lang="en-US" smtClean="0"/>
               <a:pPr/>
-              <a:t>12/11/18</a:t>
+              <a:t>1/24/21</a:t>
             </a:fld>
             <a:endParaRPr lang="en-US"/>
           </a:p>
@@ -3696,7 +3696,7 @@
         <p:spPr>
           <a:xfrm>
             <a:off x="2196997" y="664253"/>
-            <a:ext cx="4750018" cy="830997"/>
+            <a:ext cx="4750019" cy="1446550"/>
           </a:xfrm>
           <a:prstGeom prst="rect">
             <a:avLst/>
@@ -3718,6 +3718,16 @@
               <a:t>Physics Capstone</a:t>
             </a:r>
           </a:p>
+          <a:p>
+            <a:pPr algn="ctr"/>
+            <a:r>
+              <a:rPr lang="en-US" sz="4000" dirty="0">
+                <a:latin typeface="Times New Roman"/>
+                <a:cs typeface="Times New Roman"/>
+              </a:rPr>
+              <a:t>(PHYS 4195W)</a:t>
+            </a:r>
+          </a:p>
         </p:txBody>
       </p:sp>
       <p:sp>
@@ -3729,7 +3739,7 @@
         <p:spPr>
           <a:xfrm>
             <a:off x="722088" y="3711629"/>
-            <a:ext cx="7436528" cy="1077218"/>
+            <a:ext cx="7436528" cy="1569660"/>
           </a:xfrm>
           <a:prstGeom prst="rect">
             <a:avLst/>
@@ -3760,7 +3770,20 @@
                 <a:latin typeface="Times New Roman"/>
                 <a:cs typeface="Times New Roman"/>
               </a:rPr>
-              <a:t>Research Project Presentations</a:t>
+              <a:t>Research Abstract Peer Review</a:t>
+            </a:r>
+          </a:p>
+          <a:p>
+            <a:pPr marL="568325" indent="-457200">
+              <a:buFont typeface="Arial" panose="020B0604020202020204" pitchFamily="34" charset="0"/>
+              <a:buChar char="•"/>
+            </a:pPr>
+            <a:r>
+              <a:rPr lang="en-US" sz="3200" dirty="0">
+                <a:latin typeface="Times New Roman"/>
+                <a:cs typeface="Times New Roman"/>
+              </a:rPr>
+              <a:t>Preparation for Research Presentations</a:t>
             </a:r>
           </a:p>
         </p:txBody>
@@ -3804,7 +3827,7 @@
         <p:spPr>
           <a:xfrm>
             <a:off x="275549" y="191702"/>
-            <a:ext cx="7536037" cy="553998"/>
+            <a:ext cx="3837012" cy="553998"/>
           </a:xfrm>
           <a:prstGeom prst="rect">
             <a:avLst/>
@@ -3825,7 +3848,7 @@
                 <a:latin typeface="Times New Roman"/>
                 <a:cs typeface="Times New Roman"/>
               </a:rPr>
-              <a:t>Upcoming Classes (until the end of semester)</a:t>
+              <a:t>Peer Review Activities</a:t>
             </a:r>
             <a:endParaRPr lang="en-US" sz="2400" b="1" dirty="0">
               <a:solidFill>
@@ -3852,7 +3875,7 @@
         <p:spPr>
           <a:xfrm>
             <a:off x="539603" y="945629"/>
-            <a:ext cx="8375797" cy="2062103"/>
+            <a:ext cx="8450017" cy="3785652"/>
           </a:xfrm>
           <a:prstGeom prst="rect">
             <a:avLst/>
@@ -3875,35 +3898,7 @@
                 <a:ea typeface="MS Mincho" panose="02020609040205080304" pitchFamily="49" charset="-128"/>
                 <a:cs typeface="Times New Roman" panose="02020603050405020304" pitchFamily="18" charset="0"/>
               </a:rPr>
-              <a:t>Next week</a:t>
-            </a:r>
-          </a:p>
-          <a:p>
-            <a:pPr marL="800100" lvl="1" indent="-342900">
-              <a:buFont typeface="Arial" panose="020B0604020202020204" pitchFamily="34" charset="0"/>
-              <a:buChar char="•"/>
-            </a:pPr>
-            <a:r>
-              <a:rPr lang="en-US" sz="2400" dirty="0">
-                <a:latin typeface="Times New Roman" panose="02020603050405020304" pitchFamily="18" charset="0"/>
-                <a:ea typeface="MS Mincho" panose="02020609040205080304" pitchFamily="49" charset="-128"/>
-                <a:cs typeface="Times New Roman" panose="02020603050405020304" pitchFamily="18" charset="0"/>
-              </a:rPr>
-              <a:t>Submit undergraduate research project form</a:t>
-            </a:r>
-          </a:p>
-          <a:p>
-            <a:pPr marL="800100" lvl="1" indent="-342900">
-              <a:buFont typeface="Arial" panose="020B0604020202020204" pitchFamily="34" charset="0"/>
-              <a:buChar char="•"/>
-            </a:pPr>
-            <a:r>
-              <a:rPr lang="en-US" sz="2400" dirty="0">
-                <a:latin typeface="Times New Roman" panose="02020603050405020304" pitchFamily="18" charset="0"/>
-                <a:ea typeface="MS Mincho" panose="02020609040205080304" pitchFamily="49" charset="-128"/>
-                <a:cs typeface="Times New Roman" panose="02020603050405020304" pitchFamily="18" charset="0"/>
-              </a:rPr>
-              <a:t>Individual presentations of research projects</a:t>
+              <a:t>Read the abstract</a:t>
             </a:r>
           </a:p>
           <a:p>
@@ -3928,11 +3923,22 @@
                 <a:ea typeface="MS Mincho" panose="02020609040205080304" pitchFamily="49" charset="-128"/>
                 <a:cs typeface="Times New Roman" panose="02020603050405020304" pitchFamily="18" charset="0"/>
               </a:rPr>
-              <a:t>Next week</a:t>
-            </a:r>
-          </a:p>
-          <a:p>
-            <a:pPr marL="800100" lvl="1" indent="-342900">
+              <a:t>Discuss if the abstract meets the expectations of the genre</a:t>
+            </a:r>
+          </a:p>
+          <a:p>
+            <a:pPr marL="342900" indent="-342900">
+              <a:buFont typeface="Arial" panose="020B0604020202020204" pitchFamily="34" charset="0"/>
+              <a:buChar char="•"/>
+            </a:pPr>
+            <a:endParaRPr lang="en-US" sz="800" dirty="0">
+              <a:latin typeface="Times New Roman" panose="02020603050405020304" pitchFamily="18" charset="0"/>
+              <a:ea typeface="MS Mincho" panose="02020609040205080304" pitchFamily="49" charset="-128"/>
+              <a:cs typeface="Times New Roman" panose="02020603050405020304" pitchFamily="18" charset="0"/>
+            </a:endParaRPr>
+          </a:p>
+          <a:p>
+            <a:pPr marL="342900" indent="-342900">
               <a:buFont typeface="Arial" panose="020B0604020202020204" pitchFamily="34" charset="0"/>
               <a:buChar char="•"/>
             </a:pPr>
@@ -3942,7 +3948,129 @@
                 <a:ea typeface="MS Mincho" panose="02020609040205080304" pitchFamily="49" charset="-128"/>
                 <a:cs typeface="Times New Roman" panose="02020603050405020304" pitchFamily="18" charset="0"/>
               </a:rPr>
-              <a:t>Individual presentations of research projects</a:t>
+              <a:t>Identify &amp; discuss what is most important, interesting or striking</a:t>
+            </a:r>
+          </a:p>
+          <a:p>
+            <a:pPr marL="342900" indent="-342900">
+              <a:buFont typeface="Arial" panose="020B0604020202020204" pitchFamily="34" charset="0"/>
+              <a:buChar char="•"/>
+            </a:pPr>
+            <a:endParaRPr lang="en-US" sz="800" dirty="0">
+              <a:latin typeface="Times New Roman" panose="02020603050405020304" pitchFamily="18" charset="0"/>
+              <a:ea typeface="MS Mincho" panose="02020609040205080304" pitchFamily="49" charset="-128"/>
+              <a:cs typeface="Times New Roman" panose="02020603050405020304" pitchFamily="18" charset="0"/>
+            </a:endParaRPr>
+          </a:p>
+          <a:p>
+            <a:pPr marL="342900" indent="-342900">
+              <a:buFont typeface="Arial" panose="020B0604020202020204" pitchFamily="34" charset="0"/>
+              <a:buChar char="•"/>
+            </a:pPr>
+            <a:r>
+              <a:rPr lang="en-US" sz="2400" dirty="0">
+                <a:latin typeface="Times New Roman" panose="02020603050405020304" pitchFamily="18" charset="0"/>
+                <a:ea typeface="MS Mincho" panose="02020609040205080304" pitchFamily="49" charset="-128"/>
+                <a:cs typeface="Times New Roman" panose="02020603050405020304" pitchFamily="18" charset="0"/>
+              </a:rPr>
+              <a:t>Identify &amp; discuss what is almost but not quite said</a:t>
+            </a:r>
+          </a:p>
+          <a:p>
+            <a:pPr marL="342900" indent="-342900">
+              <a:buFont typeface="Arial" panose="020B0604020202020204" pitchFamily="34" charset="0"/>
+              <a:buChar char="•"/>
+            </a:pPr>
+            <a:endParaRPr lang="en-US" sz="800" dirty="0">
+              <a:latin typeface="Times New Roman" panose="02020603050405020304" pitchFamily="18" charset="0"/>
+              <a:ea typeface="MS Mincho" panose="02020609040205080304" pitchFamily="49" charset="-128"/>
+              <a:cs typeface="Times New Roman" panose="02020603050405020304" pitchFamily="18" charset="0"/>
+            </a:endParaRPr>
+          </a:p>
+          <a:p>
+            <a:pPr marL="342900" indent="-342900">
+              <a:buFont typeface="Arial" panose="020B0604020202020204" pitchFamily="34" charset="0"/>
+              <a:buChar char="•"/>
+            </a:pPr>
+            <a:r>
+              <a:rPr lang="en-US" sz="2400" dirty="0">
+                <a:latin typeface="Times New Roman" panose="02020603050405020304" pitchFamily="18" charset="0"/>
+                <a:ea typeface="MS Mincho" panose="02020609040205080304" pitchFamily="49" charset="-128"/>
+                <a:cs typeface="Times New Roman" panose="02020603050405020304" pitchFamily="18" charset="0"/>
+              </a:rPr>
+              <a:t>Discuss the strengths &amp; weaknesses based on the rubric</a:t>
+            </a:r>
+          </a:p>
+          <a:p>
+            <a:pPr marL="342900" indent="-342900">
+              <a:buFont typeface="Arial" panose="020B0604020202020204" pitchFamily="34" charset="0"/>
+              <a:buChar char="•"/>
+            </a:pPr>
+            <a:endParaRPr lang="en-US" sz="800" dirty="0">
+              <a:latin typeface="Times New Roman" panose="02020603050405020304" pitchFamily="18" charset="0"/>
+              <a:ea typeface="MS Mincho" panose="02020609040205080304" pitchFamily="49" charset="-128"/>
+              <a:cs typeface="Times New Roman" panose="02020603050405020304" pitchFamily="18" charset="0"/>
+            </a:endParaRPr>
+          </a:p>
+          <a:p>
+            <a:pPr marL="342900" indent="-342900">
+              <a:buFont typeface="Arial" panose="020B0604020202020204" pitchFamily="34" charset="0"/>
+              <a:buChar char="•"/>
+            </a:pPr>
+            <a:r>
+              <a:rPr lang="en-US" sz="2400" dirty="0">
+                <a:latin typeface="Times New Roman" panose="02020603050405020304" pitchFamily="18" charset="0"/>
+                <a:ea typeface="MS Mincho" panose="02020609040205080304" pitchFamily="49" charset="-128"/>
+                <a:cs typeface="Times New Roman" panose="02020603050405020304" pitchFamily="18" charset="0"/>
+              </a:rPr>
+              <a:t>Feedback should always be constructive!</a:t>
+            </a:r>
+          </a:p>
+          <a:p>
+            <a:pPr marL="342900" indent="-342900">
+              <a:buFont typeface="Arial" panose="020B0604020202020204" pitchFamily="34" charset="0"/>
+              <a:buChar char="•"/>
+            </a:pPr>
+            <a:endParaRPr lang="en-US" sz="800" dirty="0">
+              <a:latin typeface="Times New Roman" panose="02020603050405020304" pitchFamily="18" charset="0"/>
+              <a:ea typeface="MS Mincho" panose="02020609040205080304" pitchFamily="49" charset="-128"/>
+              <a:cs typeface="Times New Roman" panose="02020603050405020304" pitchFamily="18" charset="0"/>
+            </a:endParaRPr>
+          </a:p>
+          <a:p>
+            <a:pPr marL="342900" indent="-342900">
+              <a:buFont typeface="Arial" panose="020B0604020202020204" pitchFamily="34" charset="0"/>
+              <a:buChar char="•"/>
+            </a:pPr>
+            <a:r>
+              <a:rPr lang="en-US" sz="2400" dirty="0">
+                <a:solidFill>
+                  <a:prstClr val="black"/>
+                </a:solidFill>
+                <a:latin typeface="Times New Roman" panose="02020603050405020304" pitchFamily="18" charset="0"/>
+                <a:cs typeface="Times New Roman" panose="02020603050405020304" pitchFamily="18" charset="0"/>
+              </a:rPr>
+              <a:t>Write down notes on the discussion and send the sheet to the instructor (</a:t>
+            </a:r>
+            <a:r>
+              <a:rPr lang="en-US" sz="2400" i="1" dirty="0">
+                <a:solidFill>
+                  <a:prstClr val="black"/>
+                </a:solidFill>
+                <a:latin typeface="Times New Roman" panose="02020603050405020304" pitchFamily="18" charset="0"/>
+                <a:cs typeface="Times New Roman" panose="02020603050405020304" pitchFamily="18" charset="0"/>
+              </a:rPr>
+              <a:t>for an in-class activity grade</a:t>
+            </a:r>
+            <a:r>
+              <a:rPr lang="en-US" sz="2400" dirty="0">
+                <a:solidFill>
+                  <a:prstClr val="black"/>
+                </a:solidFill>
+                <a:latin typeface="Times New Roman" panose="02020603050405020304" pitchFamily="18" charset="0"/>
+                <a:cs typeface="Times New Roman" panose="02020603050405020304" pitchFamily="18" charset="0"/>
+              </a:rPr>
+              <a:t>)</a:t>
             </a:r>
           </a:p>
         </p:txBody>
@@ -3950,7 +4078,7 @@
     </p:spTree>
     <p:extLst>
       <p:ext uri="{BB962C8B-B14F-4D97-AF65-F5344CB8AC3E}">
-        <p14:creationId xmlns:p14="http://schemas.microsoft.com/office/powerpoint/2010/main" val="1947408174"/>
+        <p14:creationId xmlns:p14="http://schemas.microsoft.com/office/powerpoint/2010/main" val="4159132312"/>
       </p:ext>
     </p:extLst>
   </p:cSld>
@@ -4057,7 +4185,7 @@
                 <a:ea typeface="MS Mincho" panose="02020609040205080304" pitchFamily="49" charset="-128"/>
                 <a:cs typeface="Times New Roman" panose="02020603050405020304" pitchFamily="18" charset="0"/>
               </a:rPr>
-              <a:t>Last 3 classes of the semester: presentations on the research projects that students will be doing or are already doing</a:t>
+              <a:t>Last 2 classes of the semester: presentations on the research projects that students will be doing or are already doing</a:t>
             </a:r>
           </a:p>
           <a:p>
@@ -4137,7 +4265,7 @@
     </p:spTree>
     <p:extLst>
       <p:ext uri="{BB962C8B-B14F-4D97-AF65-F5344CB8AC3E}">
-        <p14:creationId xmlns:p14="http://schemas.microsoft.com/office/powerpoint/2010/main" val="3989831345"/>
+        <p14:creationId xmlns:p14="http://schemas.microsoft.com/office/powerpoint/2010/main" val="4196139826"/>
       </p:ext>
     </p:extLst>
   </p:cSld>

--- a/Slides/Class26.pptx
+++ b/Slides/Class26.pptx
@@ -227,7 +227,7 @@
           <a:p>
             <a:fld id="{C24322AF-E05B-7249-906C-FBAC6154C037}" type="datetimeFigureOut">
               <a:rPr lang="en-US" smtClean="0"/>
-              <a:t>1/24/21</a:t>
+              <a:t>6/18/25</a:t>
             </a:fld>
             <a:endParaRPr lang="en-US"/>
           </a:p>
@@ -393,7 +393,7 @@
             <a:fld id="{06A43BE5-3BD4-F642-8751-88A31D8D6D13}" type="datetimeFigureOut">
               <a:rPr lang="en-US" smtClean="0"/>
               <a:pPr/>
-              <a:t>1/24/21</a:t>
+              <a:t>6/18/25</a:t>
             </a:fld>
             <a:endParaRPr lang="en-US"/>
           </a:p>
@@ -936,7 +936,7 @@
             <a:fld id="{A4FA2B0E-4818-9849-9CF1-1031FD4E1DAB}" type="datetimeFigureOut">
               <a:rPr lang="en-US" smtClean="0"/>
               <a:pPr/>
-              <a:t>1/24/21</a:t>
+              <a:t>6/18/25</a:t>
             </a:fld>
             <a:endParaRPr lang="en-US"/>
           </a:p>
@@ -1101,7 +1101,7 @@
             <a:fld id="{A4FA2B0E-4818-9849-9CF1-1031FD4E1DAB}" type="datetimeFigureOut">
               <a:rPr lang="en-US" smtClean="0"/>
               <a:pPr/>
-              <a:t>1/24/21</a:t>
+              <a:t>6/18/25</a:t>
             </a:fld>
             <a:endParaRPr lang="en-US"/>
           </a:p>
@@ -1276,7 +1276,7 @@
             <a:fld id="{A4FA2B0E-4818-9849-9CF1-1031FD4E1DAB}" type="datetimeFigureOut">
               <a:rPr lang="en-US" smtClean="0"/>
               <a:pPr/>
-              <a:t>1/24/21</a:t>
+              <a:t>6/18/25</a:t>
             </a:fld>
             <a:endParaRPr lang="en-US"/>
           </a:p>
@@ -1441,7 +1441,7 @@
             <a:fld id="{A4FA2B0E-4818-9849-9CF1-1031FD4E1DAB}" type="datetimeFigureOut">
               <a:rPr lang="en-US" smtClean="0"/>
               <a:pPr/>
-              <a:t>1/24/21</a:t>
+              <a:t>6/18/25</a:t>
             </a:fld>
             <a:endParaRPr lang="en-US"/>
           </a:p>
@@ -1683,7 +1683,7 @@
             <a:fld id="{A4FA2B0E-4818-9849-9CF1-1031FD4E1DAB}" type="datetimeFigureOut">
               <a:rPr lang="en-US" smtClean="0"/>
               <a:pPr/>
-              <a:t>1/24/21</a:t>
+              <a:t>6/18/25</a:t>
             </a:fld>
             <a:endParaRPr lang="en-US"/>
           </a:p>
@@ -1965,7 +1965,7 @@
             <a:fld id="{A4FA2B0E-4818-9849-9CF1-1031FD4E1DAB}" type="datetimeFigureOut">
               <a:rPr lang="en-US" smtClean="0"/>
               <a:pPr/>
-              <a:t>1/24/21</a:t>
+              <a:t>6/18/25</a:t>
             </a:fld>
             <a:endParaRPr lang="en-US"/>
           </a:p>
@@ -2381,7 +2381,7 @@
             <a:fld id="{A4FA2B0E-4818-9849-9CF1-1031FD4E1DAB}" type="datetimeFigureOut">
               <a:rPr lang="en-US" smtClean="0"/>
               <a:pPr/>
-              <a:t>1/24/21</a:t>
+              <a:t>6/18/25</a:t>
             </a:fld>
             <a:endParaRPr lang="en-US"/>
           </a:p>
@@ -2495,7 +2495,7 @@
             <a:fld id="{A4FA2B0E-4818-9849-9CF1-1031FD4E1DAB}" type="datetimeFigureOut">
               <a:rPr lang="en-US" smtClean="0"/>
               <a:pPr/>
-              <a:t>1/24/21</a:t>
+              <a:t>6/18/25</a:t>
             </a:fld>
             <a:endParaRPr lang="en-US"/>
           </a:p>
@@ -2587,7 +2587,7 @@
             <a:fld id="{A4FA2B0E-4818-9849-9CF1-1031FD4E1DAB}" type="datetimeFigureOut">
               <a:rPr lang="en-US" smtClean="0"/>
               <a:pPr/>
-              <a:t>1/24/21</a:t>
+              <a:t>6/18/25</a:t>
             </a:fld>
             <a:endParaRPr lang="en-US"/>
           </a:p>
@@ -2859,7 +2859,7 @@
             <a:fld id="{A4FA2B0E-4818-9849-9CF1-1031FD4E1DAB}" type="datetimeFigureOut">
               <a:rPr lang="en-US" smtClean="0"/>
               <a:pPr/>
-              <a:t>1/24/21</a:t>
+              <a:t>6/18/25</a:t>
             </a:fld>
             <a:endParaRPr lang="en-US"/>
           </a:p>
@@ -3108,7 +3108,7 @@
             <a:fld id="{A4FA2B0E-4818-9849-9CF1-1031FD4E1DAB}" type="datetimeFigureOut">
               <a:rPr lang="en-US" smtClean="0"/>
               <a:pPr/>
-              <a:t>1/24/21</a:t>
+              <a:t>6/18/25</a:t>
             </a:fld>
             <a:endParaRPr lang="en-US"/>
           </a:p>
@@ -3316,7 +3316,7 @@
             <a:fld id="{A4FA2B0E-4818-9849-9CF1-1031FD4E1DAB}" type="datetimeFigureOut">
               <a:rPr lang="en-US" smtClean="0"/>
               <a:pPr/>
-              <a:t>1/24/21</a:t>
+              <a:t>6/18/25</a:t>
             </a:fld>
             <a:endParaRPr lang="en-US"/>
           </a:p>
